--- a/img/kusuri.pptx
+++ b/img/kusuri.pptx
@@ -151,7 +151,7 @@
       </p14:sectionLst>
     </p:ext>
     <p:ext uri="{EFAFB233-063F-42B5-8137-9DF3F51BA10A}">
-      <p15:sldGuideLst xmlns:p15="http://schemas.microsoft.com/office/powerpoint/2012/main" xmlns="">
+      <p15:sldGuideLst xmlns="" xmlns:p15="http://schemas.microsoft.com/office/powerpoint/2012/main">
         <p15:guide id="1" orient="horz" pos="2160">
           <p15:clr>
             <a:srgbClr val="A4A3A4"/>
@@ -165,7 +165,7 @@
       </p15:sldGuideLst>
     </p:ext>
     <p:ext uri="{2D200454-40CA-4A62-9FC3-DE9A4176ACB9}">
-      <p15:notesGuideLst xmlns:p15="http://schemas.microsoft.com/office/powerpoint/2012/main" xmlns="">
+      <p15:notesGuideLst xmlns="" xmlns:p15="http://schemas.microsoft.com/office/powerpoint/2012/main">
         <p15:guide id="1" orient="horz" pos="3223">
           <p15:clr>
             <a:srgbClr val="A4A3A4"/>
@@ -1949,282 +1949,263 @@
           <a:chExt cx="0" cy="0"/>
         </a:xfrm>
       </p:grpSpPr>
-      <p:sp>
-        <p:nvSpPr>
-          <p:cNvPr id="13" name="五角形 12"/>
-          <p:cNvSpPr/>
+      <p:grpSp>
+        <p:nvGrpSpPr>
+          <p:cNvPr id="5" name="グループ化 4"/>
+          <p:cNvGrpSpPr/>
           <p:nvPr/>
-        </p:nvSpPr>
-        <p:spPr>
+        </p:nvGrpSpPr>
+        <p:grpSpPr>
           <a:xfrm>
-            <a:off x="1853952" y="2441236"/>
-            <a:ext cx="648072" cy="642210"/>
+            <a:off x="1709936" y="2159609"/>
+            <a:ext cx="648072" cy="923837"/>
+            <a:chOff x="1781944" y="2159609"/>
+            <a:chExt cx="648072" cy="923837"/>
           </a:xfrm>
-          <a:prstGeom prst="pentagon">
-            <a:avLst/>
-          </a:prstGeom>
-          <a:noFill/>
-          <a:ln w="12700">
-            <a:solidFill>
-              <a:srgbClr val="000000"/>
-            </a:solidFill>
-          </a:ln>
-        </p:spPr>
-        <p:style>
-          <a:lnRef idx="2">
-            <a:schemeClr val="accent1">
-              <a:shade val="50000"/>
-            </a:schemeClr>
-          </a:lnRef>
-          <a:fillRef idx="1">
-            <a:schemeClr val="accent1"/>
-          </a:fillRef>
-          <a:effectRef idx="0">
-            <a:schemeClr val="accent1"/>
-          </a:effectRef>
-          <a:fontRef idx="minor">
-            <a:schemeClr val="lt1"/>
-          </a:fontRef>
-        </p:style>
-        <p:txBody>
-          <a:bodyPr rot="0" spcFirstLastPara="0" vertOverflow="overflow" horzOverflow="overflow" vert="horz" wrap="square" lIns="91440" tIns="45720" rIns="91440" bIns="45720" numCol="1" spcCol="0" rtlCol="0" fromWordArt="0" anchor="ctr" anchorCtr="0" forceAA="0" compatLnSpc="1">
-            <a:prstTxWarp prst="textNoShape">
+        </p:grpSpPr>
+        <p:grpSp>
+          <p:nvGrpSpPr>
+            <p:cNvPr id="4" name="グループ化 3"/>
+            <p:cNvGrpSpPr/>
+            <p:nvPr/>
+          </p:nvGrpSpPr>
+          <p:grpSpPr>
+            <a:xfrm>
+              <a:off x="1781944" y="2296008"/>
+              <a:ext cx="648072" cy="787438"/>
+              <a:chOff x="1853952" y="2296008"/>
+              <a:chExt cx="648072" cy="787438"/>
+            </a:xfrm>
+          </p:grpSpPr>
+          <p:sp>
+            <p:nvSpPr>
+              <p:cNvPr id="13" name="五角形 12"/>
+              <p:cNvSpPr/>
+              <p:nvPr/>
+            </p:nvSpPr>
+            <p:spPr>
+              <a:xfrm>
+                <a:off x="1853952" y="2441236"/>
+                <a:ext cx="648072" cy="642210"/>
+              </a:xfrm>
+              <a:prstGeom prst="pentagon">
+                <a:avLst/>
+              </a:prstGeom>
+              <a:noFill/>
+              <a:ln w="12700">
+                <a:solidFill>
+                  <a:srgbClr val="000000"/>
+                </a:solidFill>
+              </a:ln>
+            </p:spPr>
+            <p:style>
+              <a:lnRef idx="2">
+                <a:schemeClr val="accent1">
+                  <a:shade val="50000"/>
+                </a:schemeClr>
+              </a:lnRef>
+              <a:fillRef idx="1">
+                <a:schemeClr val="accent1"/>
+              </a:fillRef>
+              <a:effectRef idx="0">
+                <a:schemeClr val="accent1"/>
+              </a:effectRef>
+              <a:fontRef idx="minor">
+                <a:schemeClr val="lt1"/>
+              </a:fontRef>
+            </p:style>
+            <p:txBody>
+              <a:bodyPr rot="0" spcFirstLastPara="0" vertOverflow="overflow" horzOverflow="overflow" vert="horz" wrap="square" lIns="91440" tIns="45720" rIns="91440" bIns="45720" numCol="1" spcCol="0" rtlCol="0" fromWordArt="0" anchor="ctr" anchorCtr="0" forceAA="0" compatLnSpc="1">
+                <a:prstTxWarp prst="textNoShape">
+                  <a:avLst/>
+                </a:prstTxWarp>
+                <a:noAutofit/>
+              </a:bodyPr>
+              <a:lstStyle/>
+              <a:p>
+                <a:pPr algn="ctr"/>
+                <a:endParaRPr kumimoji="1" lang="ja-JP" altLang="en-US" sz="1050"/>
+              </a:p>
+            </p:txBody>
+          </p:sp>
+          <p:cxnSp>
+            <p:nvCxnSpPr>
+              <p:cNvPr id="14" name="直線コネクタ 13"/>
+              <p:cNvCxnSpPr/>
+              <p:nvPr/>
+            </p:nvCxnSpPr>
+            <p:spPr>
+              <a:xfrm flipV="1">
+                <a:off x="2340428" y="2713017"/>
+                <a:ext cx="89587" cy="303104"/>
+              </a:xfrm>
+              <a:prstGeom prst="line">
+                <a:avLst/>
+              </a:prstGeom>
+              <a:ln w="12700">
+                <a:solidFill>
+                  <a:srgbClr val="000000"/>
+                </a:solidFill>
+              </a:ln>
+            </p:spPr>
+            <p:style>
+              <a:lnRef idx="1">
+                <a:schemeClr val="accent1"/>
+              </a:lnRef>
+              <a:fillRef idx="0">
+                <a:schemeClr val="accent1"/>
+              </a:fillRef>
+              <a:effectRef idx="0">
+                <a:schemeClr val="accent1"/>
+              </a:effectRef>
+              <a:fontRef idx="minor">
+                <a:schemeClr val="tx1"/>
+              </a:fontRef>
+            </p:style>
+          </p:cxnSp>
+          <p:cxnSp>
+            <p:nvCxnSpPr>
+              <p:cNvPr id="15" name="直線コネクタ 14"/>
+              <p:cNvCxnSpPr/>
+              <p:nvPr/>
+            </p:nvCxnSpPr>
+            <p:spPr>
+              <a:xfrm>
+                <a:off x="1925960" y="2723563"/>
+                <a:ext cx="93340" cy="297223"/>
+              </a:xfrm>
+              <a:prstGeom prst="line">
+                <a:avLst/>
+              </a:prstGeom>
+              <a:ln w="12700">
+                <a:solidFill>
+                  <a:srgbClr val="000000"/>
+                </a:solidFill>
+              </a:ln>
+            </p:spPr>
+            <p:style>
+              <a:lnRef idx="1">
+                <a:schemeClr val="accent1"/>
+              </a:lnRef>
+              <a:fillRef idx="0">
+                <a:schemeClr val="accent1"/>
+              </a:fillRef>
+              <a:effectRef idx="0">
+                <a:schemeClr val="accent1"/>
+              </a:effectRef>
+              <a:fontRef idx="minor">
+                <a:schemeClr val="tx1"/>
+              </a:fontRef>
+            </p:style>
+          </p:cxnSp>
+          <p:sp>
+            <p:nvSpPr>
+              <p:cNvPr id="20" name="円/楕円 19"/>
+              <p:cNvSpPr/>
+              <p:nvPr/>
+            </p:nvSpPr>
+            <p:spPr>
+              <a:xfrm>
+                <a:off x="2102634" y="2337504"/>
+                <a:ext cx="162440" cy="169878"/>
+              </a:xfrm>
+              <a:prstGeom prst="ellipse">
+                <a:avLst/>
+              </a:prstGeom>
+              <a:solidFill>
+                <a:schemeClr val="bg1"/>
+              </a:solidFill>
+              <a:ln w="12700">
+                <a:noFill/>
+              </a:ln>
+            </p:spPr>
+            <p:style>
+              <a:lnRef idx="2">
+                <a:schemeClr val="accent1">
+                  <a:shade val="50000"/>
+                </a:schemeClr>
+              </a:lnRef>
+              <a:fillRef idx="1">
+                <a:schemeClr val="accent1"/>
+              </a:fillRef>
+              <a:effectRef idx="0">
+                <a:schemeClr val="accent1"/>
+              </a:effectRef>
+              <a:fontRef idx="minor">
+                <a:schemeClr val="lt1"/>
+              </a:fontRef>
+            </p:style>
+            <p:txBody>
+              <a:bodyPr rtlCol="0" anchor="ctr"/>
+              <a:lstStyle/>
+              <a:p>
+                <a:pPr algn="ctr"/>
+                <a:endParaRPr kumimoji="1" lang="ja-JP" altLang="en-US" sz="1050"/>
+              </a:p>
+            </p:txBody>
+          </p:sp>
+          <p:sp>
+            <p:nvSpPr>
+              <p:cNvPr id="26" name="テキスト ボックス 25"/>
+              <p:cNvSpPr txBox="1"/>
+              <p:nvPr/>
+            </p:nvSpPr>
+            <p:spPr>
+              <a:xfrm>
+                <a:off x="2030626" y="2296008"/>
+                <a:ext cx="287258" cy="261610"/>
+              </a:xfrm>
+              <a:prstGeom prst="rect">
+                <a:avLst/>
+              </a:prstGeom>
+              <a:noFill/>
+            </p:spPr>
+            <p:txBody>
+              <a:bodyPr wrap="none" rtlCol="0">
+                <a:spAutoFit/>
+              </a:bodyPr>
+              <a:lstStyle/>
+              <a:p>
+                <a:r>
+                  <a:rPr kumimoji="1" lang="en-US" altLang="ja-JP" sz="1050" smtClean="0"/>
+                  <a:t>N</a:t>
+                </a:r>
+                <a:endParaRPr kumimoji="1" lang="ja-JP" altLang="en-US" sz="1050"/>
+              </a:p>
+            </p:txBody>
+          </p:sp>
+        </p:grpSp>
+        <p:sp>
+          <p:nvSpPr>
+            <p:cNvPr id="27" name="テキスト ボックス 26"/>
+            <p:cNvSpPr txBox="1"/>
+            <p:nvPr/>
+          </p:nvSpPr>
+          <p:spPr>
+            <a:xfrm>
+              <a:off x="1960080" y="2159609"/>
+              <a:ext cx="287258" cy="261610"/>
+            </a:xfrm>
+            <a:prstGeom prst="rect">
               <a:avLst/>
-            </a:prstTxWarp>
-            <a:noAutofit/>
-          </a:bodyPr>
-          <a:lstStyle/>
-          <a:p>
-            <a:pPr algn="ctr"/>
-            <a:endParaRPr kumimoji="1" lang="ja-JP" altLang="en-US"/>
-          </a:p>
-        </p:txBody>
-      </p:sp>
-      <p:sp>
-        <p:nvSpPr>
-          <p:cNvPr id="3" name="六角形 2"/>
-          <p:cNvSpPr/>
-          <p:nvPr/>
-        </p:nvSpPr>
-        <p:spPr>
-          <a:xfrm rot="1892118">
-            <a:off x="1002015" y="2436900"/>
-            <a:ext cx="677928" cy="584421"/>
-          </a:xfrm>
-          <a:prstGeom prst="hexagon">
-            <a:avLst>
-              <a:gd name="adj" fmla="val 30357"/>
-              <a:gd name="vf" fmla="val 115470"/>
-            </a:avLst>
-          </a:prstGeom>
-          <a:noFill/>
-          <a:ln w="12700">
-            <a:solidFill>
-              <a:srgbClr val="000000"/>
-            </a:solidFill>
-          </a:ln>
-        </p:spPr>
-        <p:style>
-          <a:lnRef idx="2">
-            <a:schemeClr val="accent1">
-              <a:shade val="50000"/>
-            </a:schemeClr>
-          </a:lnRef>
-          <a:fillRef idx="1">
-            <a:schemeClr val="accent1"/>
-          </a:fillRef>
-          <a:effectRef idx="0">
-            <a:schemeClr val="accent1"/>
-          </a:effectRef>
-          <a:fontRef idx="minor">
-            <a:schemeClr val="lt1"/>
-          </a:fontRef>
-        </p:style>
-        <p:txBody>
-          <a:bodyPr rtlCol="0" anchor="ctr"/>
-          <a:lstStyle/>
-          <a:p>
-            <a:pPr algn="ctr"/>
-            <a:endParaRPr kumimoji="1" lang="ja-JP" altLang="en-US"/>
-          </a:p>
-        </p:txBody>
-      </p:sp>
-      <p:cxnSp>
-        <p:nvCxnSpPr>
-          <p:cNvPr id="14" name="直線コネクタ 13"/>
-          <p:cNvCxnSpPr/>
-          <p:nvPr/>
-        </p:nvCxnSpPr>
-        <p:spPr>
-          <a:xfrm flipV="1">
-            <a:off x="2340428" y="2713017"/>
-            <a:ext cx="89587" cy="303104"/>
-          </a:xfrm>
-          <a:prstGeom prst="line">
-            <a:avLst/>
-          </a:prstGeom>
-          <a:ln w="12700">
-            <a:solidFill>
-              <a:srgbClr val="000000"/>
-            </a:solidFill>
-          </a:ln>
-        </p:spPr>
-        <p:style>
-          <a:lnRef idx="1">
-            <a:schemeClr val="accent1"/>
-          </a:lnRef>
-          <a:fillRef idx="0">
-            <a:schemeClr val="accent1"/>
-          </a:fillRef>
-          <a:effectRef idx="0">
-            <a:schemeClr val="accent1"/>
-          </a:effectRef>
-          <a:fontRef idx="minor">
-            <a:schemeClr val="tx1"/>
-          </a:fontRef>
-        </p:style>
-      </p:cxnSp>
-      <p:cxnSp>
-        <p:nvCxnSpPr>
-          <p:cNvPr id="15" name="直線コネクタ 14"/>
-          <p:cNvCxnSpPr/>
-          <p:nvPr/>
-        </p:nvCxnSpPr>
-        <p:spPr>
-          <a:xfrm>
-            <a:off x="1925960" y="2723563"/>
-            <a:ext cx="93340" cy="297223"/>
-          </a:xfrm>
-          <a:prstGeom prst="line">
-            <a:avLst/>
-          </a:prstGeom>
-          <a:ln w="12700">
-            <a:solidFill>
-              <a:srgbClr val="000000"/>
-            </a:solidFill>
-          </a:ln>
-        </p:spPr>
-        <p:style>
-          <a:lnRef idx="1">
-            <a:schemeClr val="accent1"/>
-          </a:lnRef>
-          <a:fillRef idx="0">
-            <a:schemeClr val="accent1"/>
-          </a:fillRef>
-          <a:effectRef idx="0">
-            <a:schemeClr val="accent1"/>
-          </a:effectRef>
-          <a:fontRef idx="minor">
-            <a:schemeClr val="tx1"/>
-          </a:fontRef>
-        </p:style>
-      </p:cxnSp>
-      <p:sp>
-        <p:nvSpPr>
-          <p:cNvPr id="20" name="円/楕円 19"/>
-          <p:cNvSpPr/>
-          <p:nvPr/>
-        </p:nvSpPr>
-        <p:spPr>
-          <a:xfrm>
-            <a:off x="2102634" y="2337504"/>
-            <a:ext cx="162440" cy="169878"/>
-          </a:xfrm>
-          <a:prstGeom prst="ellipse">
-            <a:avLst/>
-          </a:prstGeom>
-          <a:solidFill>
-            <a:schemeClr val="bg1"/>
-          </a:solidFill>
-          <a:ln w="12700">
+            </a:prstGeom>
             <a:noFill/>
-          </a:ln>
-        </p:spPr>
-        <p:style>
-          <a:lnRef idx="2">
-            <a:schemeClr val="accent1">
-              <a:shade val="50000"/>
-            </a:schemeClr>
-          </a:lnRef>
-          <a:fillRef idx="1">
-            <a:schemeClr val="accent1"/>
-          </a:fillRef>
-          <a:effectRef idx="0">
-            <a:schemeClr val="accent1"/>
-          </a:effectRef>
-          <a:fontRef idx="minor">
-            <a:schemeClr val="lt1"/>
-          </a:fontRef>
-        </p:style>
-        <p:txBody>
-          <a:bodyPr rtlCol="0" anchor="ctr"/>
-          <a:lstStyle/>
-          <a:p>
-            <a:pPr algn="ctr"/>
-            <a:endParaRPr kumimoji="1" lang="ja-JP" altLang="en-US"/>
-          </a:p>
-        </p:txBody>
-      </p:sp>
-      <p:sp>
-        <p:nvSpPr>
-          <p:cNvPr id="26" name="テキスト ボックス 25"/>
-          <p:cNvSpPr txBox="1"/>
-          <p:nvPr/>
-        </p:nvSpPr>
-        <p:spPr>
-          <a:xfrm>
-            <a:off x="2030626" y="2296008"/>
-            <a:ext cx="287258" cy="261610"/>
-          </a:xfrm>
-          <a:prstGeom prst="rect">
-            <a:avLst/>
-          </a:prstGeom>
-          <a:noFill/>
-        </p:spPr>
-        <p:txBody>
-          <a:bodyPr wrap="none" rtlCol="0">
-            <a:spAutoFit/>
-          </a:bodyPr>
-          <a:lstStyle/>
-          <a:p>
-            <a:r>
-              <a:rPr kumimoji="1" lang="en-US" altLang="ja-JP" sz="1100" smtClean="0"/>
-              <a:t>N</a:t>
-            </a:r>
-            <a:endParaRPr kumimoji="1" lang="ja-JP" altLang="en-US" sz="1100"/>
-          </a:p>
-        </p:txBody>
-      </p:sp>
-      <p:sp>
-        <p:nvSpPr>
-          <p:cNvPr id="27" name="テキスト ボックス 26"/>
-          <p:cNvSpPr txBox="1"/>
-          <p:nvPr/>
-        </p:nvSpPr>
-        <p:spPr>
-          <a:xfrm>
-            <a:off x="2031875" y="2152785"/>
-            <a:ext cx="287258" cy="261610"/>
-          </a:xfrm>
-          <a:prstGeom prst="rect">
-            <a:avLst/>
-          </a:prstGeom>
-          <a:noFill/>
-        </p:spPr>
-        <p:txBody>
-          <a:bodyPr wrap="none" rtlCol="0">
-            <a:spAutoFit/>
-          </a:bodyPr>
-          <a:lstStyle/>
-          <a:p>
-            <a:r>
-              <a:rPr kumimoji="1" lang="en-US" altLang="ja-JP" sz="1100" smtClean="0"/>
-              <a:t>H</a:t>
-            </a:r>
-            <a:endParaRPr kumimoji="1" lang="ja-JP" altLang="en-US" sz="1100"/>
-          </a:p>
-        </p:txBody>
-      </p:sp>
+          </p:spPr>
+          <p:txBody>
+            <a:bodyPr wrap="none" rtlCol="0">
+              <a:spAutoFit/>
+            </a:bodyPr>
+            <a:lstStyle/>
+            <a:p>
+              <a:r>
+                <a:rPr kumimoji="1" lang="en-US" altLang="ja-JP" sz="1050" smtClean="0"/>
+                <a:t>H</a:t>
+              </a:r>
+              <a:endParaRPr kumimoji="1" lang="ja-JP" altLang="en-US" sz="1050"/>
+            </a:p>
+          </p:txBody>
+        </p:sp>
+      </p:grpSp>
       <p:sp>
         <p:nvSpPr>
           <p:cNvPr id="28" name="テキスト ボックス 27"/>
@@ -2233,7 +2214,7 @@
         </p:nvSpPr>
         <p:spPr>
           <a:xfrm>
-            <a:off x="2646040" y="2713017"/>
+            <a:off x="2790056" y="2723406"/>
             <a:ext cx="375424" cy="261610"/>
           </a:xfrm>
           <a:prstGeom prst="rect">
@@ -2248,122 +2229,182 @@
           <a:lstStyle/>
           <a:p>
             <a:r>
-              <a:rPr lang="en-US" altLang="ja-JP" sz="1100" smtClean="0"/>
-              <a:t>=</a:t>
-            </a:r>
-            <a:r>
-              <a:rPr lang="en-US" altLang="ja-JP" sz="1100" smtClean="0"/>
-              <a:t>O</a:t>
-            </a:r>
-            <a:endParaRPr kumimoji="1" lang="ja-JP" altLang="en-US" sz="1100"/>
+              <a:rPr lang="en-US" altLang="ja-JP" sz="1050" smtClean="0"/>
+              <a:t>=O</a:t>
+            </a:r>
+            <a:endParaRPr kumimoji="1" lang="ja-JP" altLang="en-US" sz="1050"/>
           </a:p>
         </p:txBody>
       </p:sp>
-      <p:cxnSp>
-        <p:nvCxnSpPr>
-          <p:cNvPr id="29" name="直線コネクタ 28"/>
-          <p:cNvCxnSpPr/>
+      <p:grpSp>
+        <p:nvGrpSpPr>
+          <p:cNvPr id="2" name="グループ化 1"/>
+          <p:cNvGrpSpPr/>
           <p:nvPr/>
-        </p:nvCxnSpPr>
-        <p:spPr>
-          <a:xfrm rot="10800000">
-            <a:off x="1117543" y="2606604"/>
-            <a:ext cx="0" cy="258445"/>
+        </p:nvGrpSpPr>
+        <p:grpSpPr>
+          <a:xfrm>
+            <a:off x="485800" y="2436900"/>
+            <a:ext cx="677928" cy="584421"/>
+            <a:chOff x="1002015" y="2436900"/>
+            <a:chExt cx="677928" cy="584421"/>
           </a:xfrm>
-          <a:prstGeom prst="line">
-            <a:avLst/>
-          </a:prstGeom>
-          <a:ln w="12700">
-            <a:solidFill>
-              <a:srgbClr val="000000"/>
-            </a:solidFill>
-          </a:ln>
-        </p:spPr>
-        <p:style>
-          <a:lnRef idx="1">
-            <a:schemeClr val="accent1"/>
-          </a:lnRef>
-          <a:fillRef idx="0">
-            <a:schemeClr val="accent1"/>
-          </a:fillRef>
-          <a:effectRef idx="0">
-            <a:schemeClr val="accent1"/>
-          </a:effectRef>
-          <a:fontRef idx="minor">
-            <a:schemeClr val="tx1"/>
-          </a:fontRef>
-        </p:style>
-      </p:cxnSp>
-      <p:cxnSp>
-        <p:nvCxnSpPr>
-          <p:cNvPr id="32" name="直線コネクタ 31"/>
-          <p:cNvCxnSpPr/>
-          <p:nvPr/>
-        </p:nvCxnSpPr>
-        <p:spPr>
-          <a:xfrm>
-            <a:off x="1336554" y="2462502"/>
-            <a:ext cx="237450" cy="150069"/>
-          </a:xfrm>
-          <a:prstGeom prst="line">
-            <a:avLst/>
-          </a:prstGeom>
-          <a:ln w="12700">
-            <a:solidFill>
-              <a:srgbClr val="000000"/>
-            </a:solidFill>
-          </a:ln>
-        </p:spPr>
-        <p:style>
-          <a:lnRef idx="1">
-            <a:schemeClr val="accent1"/>
-          </a:lnRef>
-          <a:fillRef idx="0">
-            <a:schemeClr val="accent1"/>
-          </a:fillRef>
-          <a:effectRef idx="0">
-            <a:schemeClr val="accent1"/>
-          </a:effectRef>
-          <a:fontRef idx="minor">
-            <a:schemeClr val="tx1"/>
-          </a:fontRef>
-        </p:style>
-      </p:cxnSp>
-      <p:cxnSp>
-        <p:nvCxnSpPr>
-          <p:cNvPr id="34" name="直線コネクタ 33"/>
-          <p:cNvCxnSpPr/>
-          <p:nvPr/>
-        </p:nvCxnSpPr>
-        <p:spPr>
-          <a:xfrm flipV="1">
-            <a:off x="1322615" y="2868386"/>
-            <a:ext cx="229618" cy="125186"/>
-          </a:xfrm>
-          <a:prstGeom prst="line">
-            <a:avLst/>
-          </a:prstGeom>
-          <a:ln w="12700">
-            <a:solidFill>
-              <a:srgbClr val="000000"/>
-            </a:solidFill>
-          </a:ln>
-        </p:spPr>
-        <p:style>
-          <a:lnRef idx="1">
-            <a:schemeClr val="accent1"/>
-          </a:lnRef>
-          <a:fillRef idx="0">
-            <a:schemeClr val="accent1"/>
-          </a:fillRef>
-          <a:effectRef idx="0">
-            <a:schemeClr val="accent1"/>
-          </a:effectRef>
-          <a:fontRef idx="minor">
-            <a:schemeClr val="tx1"/>
-          </a:fontRef>
-        </p:style>
-      </p:cxnSp>
+        </p:grpSpPr>
+        <p:sp>
+          <p:nvSpPr>
+            <p:cNvPr id="3" name="六角形 2"/>
+            <p:cNvSpPr/>
+            <p:nvPr/>
+          </p:nvSpPr>
+          <p:spPr>
+            <a:xfrm rot="1892118">
+              <a:off x="1002015" y="2436900"/>
+              <a:ext cx="677928" cy="584421"/>
+            </a:xfrm>
+            <a:prstGeom prst="hexagon">
+              <a:avLst>
+                <a:gd name="adj" fmla="val 30357"/>
+                <a:gd name="vf" fmla="val 115470"/>
+              </a:avLst>
+            </a:prstGeom>
+            <a:noFill/>
+            <a:ln w="12700">
+              <a:solidFill>
+                <a:srgbClr val="000000"/>
+              </a:solidFill>
+            </a:ln>
+          </p:spPr>
+          <p:style>
+            <a:lnRef idx="2">
+              <a:schemeClr val="accent1">
+                <a:shade val="50000"/>
+              </a:schemeClr>
+            </a:lnRef>
+            <a:fillRef idx="1">
+              <a:schemeClr val="accent1"/>
+            </a:fillRef>
+            <a:effectRef idx="0">
+              <a:schemeClr val="accent1"/>
+            </a:effectRef>
+            <a:fontRef idx="minor">
+              <a:schemeClr val="lt1"/>
+            </a:fontRef>
+          </p:style>
+          <p:txBody>
+            <a:bodyPr rtlCol="0" anchor="ctr"/>
+            <a:lstStyle/>
+            <a:p>
+              <a:pPr algn="ctr"/>
+              <a:endParaRPr kumimoji="1" lang="ja-JP" altLang="en-US" sz="1050"/>
+            </a:p>
+          </p:txBody>
+        </p:sp>
+        <p:cxnSp>
+          <p:nvCxnSpPr>
+            <p:cNvPr id="29" name="直線コネクタ 28"/>
+            <p:cNvCxnSpPr/>
+            <p:nvPr/>
+          </p:nvCxnSpPr>
+          <p:spPr>
+            <a:xfrm rot="10800000">
+              <a:off x="1117543" y="2606604"/>
+              <a:ext cx="0" cy="258445"/>
+            </a:xfrm>
+            <a:prstGeom prst="line">
+              <a:avLst/>
+            </a:prstGeom>
+            <a:ln w="12700">
+              <a:solidFill>
+                <a:srgbClr val="000000"/>
+              </a:solidFill>
+            </a:ln>
+          </p:spPr>
+          <p:style>
+            <a:lnRef idx="1">
+              <a:schemeClr val="accent1"/>
+            </a:lnRef>
+            <a:fillRef idx="0">
+              <a:schemeClr val="accent1"/>
+            </a:fillRef>
+            <a:effectRef idx="0">
+              <a:schemeClr val="accent1"/>
+            </a:effectRef>
+            <a:fontRef idx="minor">
+              <a:schemeClr val="tx1"/>
+            </a:fontRef>
+          </p:style>
+        </p:cxnSp>
+        <p:cxnSp>
+          <p:nvCxnSpPr>
+            <p:cNvPr id="32" name="直線コネクタ 31"/>
+            <p:cNvCxnSpPr/>
+            <p:nvPr/>
+          </p:nvCxnSpPr>
+          <p:spPr>
+            <a:xfrm>
+              <a:off x="1336554" y="2462502"/>
+              <a:ext cx="237450" cy="150069"/>
+            </a:xfrm>
+            <a:prstGeom prst="line">
+              <a:avLst/>
+            </a:prstGeom>
+            <a:ln w="12700">
+              <a:solidFill>
+                <a:srgbClr val="000000"/>
+              </a:solidFill>
+            </a:ln>
+          </p:spPr>
+          <p:style>
+            <a:lnRef idx="1">
+              <a:schemeClr val="accent1"/>
+            </a:lnRef>
+            <a:fillRef idx="0">
+              <a:schemeClr val="accent1"/>
+            </a:fillRef>
+            <a:effectRef idx="0">
+              <a:schemeClr val="accent1"/>
+            </a:effectRef>
+            <a:fontRef idx="minor">
+              <a:schemeClr val="tx1"/>
+            </a:fontRef>
+          </p:style>
+        </p:cxnSp>
+        <p:cxnSp>
+          <p:nvCxnSpPr>
+            <p:cNvPr id="34" name="直線コネクタ 33"/>
+            <p:cNvCxnSpPr/>
+            <p:nvPr/>
+          </p:nvCxnSpPr>
+          <p:spPr>
+            <a:xfrm flipV="1">
+              <a:off x="1322615" y="2868386"/>
+              <a:ext cx="229618" cy="125186"/>
+            </a:xfrm>
+            <a:prstGeom prst="line">
+              <a:avLst/>
+            </a:prstGeom>
+            <a:ln w="12700">
+              <a:solidFill>
+                <a:srgbClr val="000000"/>
+              </a:solidFill>
+            </a:ln>
+          </p:spPr>
+          <p:style>
+            <a:lnRef idx="1">
+              <a:schemeClr val="accent1"/>
+            </a:lnRef>
+            <a:fillRef idx="0">
+              <a:schemeClr val="accent1"/>
+            </a:fillRef>
+            <a:effectRef idx="0">
+              <a:schemeClr val="accent1"/>
+            </a:effectRef>
+            <a:fontRef idx="minor">
+              <a:schemeClr val="tx1"/>
+            </a:fontRef>
+          </p:style>
+        </p:cxnSp>
+      </p:grpSp>
       <p:sp>
         <p:nvSpPr>
           <p:cNvPr id="37" name="テキスト ボックス 36"/>
@@ -2372,7 +2413,7 @@
         </p:nvSpPr>
         <p:spPr>
           <a:xfrm>
-            <a:off x="3150096" y="2723406"/>
+            <a:off x="3491292" y="2723406"/>
             <a:ext cx="522900" cy="261610"/>
           </a:xfrm>
           <a:prstGeom prst="rect">
@@ -2387,14 +2428,14 @@
           <a:lstStyle/>
           <a:p>
             <a:r>
-              <a:rPr lang="en-US" altLang="ja-JP" sz="1100" smtClean="0"/>
+              <a:rPr lang="en-US" altLang="ja-JP" sz="1050" smtClean="0"/>
               <a:t>=SO</a:t>
             </a:r>
             <a:r>
-              <a:rPr lang="en-US" altLang="ja-JP" sz="1100" baseline="-25000" smtClean="0"/>
+              <a:rPr lang="en-US" altLang="ja-JP" sz="1050" baseline="-25000" smtClean="0"/>
               <a:t>2</a:t>
             </a:r>
-            <a:endParaRPr kumimoji="1" lang="ja-JP" altLang="en-US" sz="1100" baseline="-25000"/>
+            <a:endParaRPr kumimoji="1" lang="ja-JP" altLang="en-US" sz="1050" baseline="-25000"/>
           </a:p>
         </p:txBody>
       </p:sp>
